--- a/documentation/presentation_ids_project.pptx
+++ b/documentation/presentation_ids_project.pptx
@@ -5,25 +5,26 @@
     <p:sldMasterId id="2147483746" r:id="rId1"/>
   </p:sldMasterIdLst>
   <p:notesMasterIdLst>
-    <p:notesMasterId r:id="rId15"/>
+    <p:notesMasterId r:id="rId16"/>
   </p:notesMasterIdLst>
   <p:handoutMasterIdLst>
-    <p:handoutMasterId r:id="rId16"/>
+    <p:handoutMasterId r:id="rId17"/>
   </p:handoutMasterIdLst>
   <p:sldIdLst>
     <p:sldId id="257" r:id="rId2"/>
-    <p:sldId id="260" r:id="rId3"/>
-    <p:sldId id="261" r:id="rId4"/>
-    <p:sldId id="263" r:id="rId5"/>
-    <p:sldId id="262" r:id="rId6"/>
-    <p:sldId id="274" r:id="rId7"/>
-    <p:sldId id="265" r:id="rId8"/>
-    <p:sldId id="270" r:id="rId9"/>
-    <p:sldId id="271" r:id="rId10"/>
-    <p:sldId id="272" r:id="rId11"/>
-    <p:sldId id="273" r:id="rId12"/>
-    <p:sldId id="266" r:id="rId13"/>
-    <p:sldId id="264" r:id="rId14"/>
+    <p:sldId id="275" r:id="rId3"/>
+    <p:sldId id="260" r:id="rId4"/>
+    <p:sldId id="261" r:id="rId5"/>
+    <p:sldId id="263" r:id="rId6"/>
+    <p:sldId id="262" r:id="rId7"/>
+    <p:sldId id="274" r:id="rId8"/>
+    <p:sldId id="265" r:id="rId9"/>
+    <p:sldId id="270" r:id="rId10"/>
+    <p:sldId id="271" r:id="rId11"/>
+    <p:sldId id="272" r:id="rId12"/>
+    <p:sldId id="273" r:id="rId13"/>
+    <p:sldId id="266" r:id="rId14"/>
+    <p:sldId id="264" r:id="rId15"/>
   </p:sldIdLst>
   <p:sldSz cx="12192000" cy="6858000"/>
   <p:notesSz cx="6858000" cy="9144000"/>
@@ -136,7 +137,7 @@
 <file path=ppt/revisionInfo.xml><?xml version="1.0" encoding="utf-8"?>
 <p1510:revInfo xmlns:a="http://schemas.openxmlformats.org/drawingml/2006/main" xmlns:r="http://schemas.openxmlformats.org/officeDocument/2006/relationships" xmlns:p1510="http://schemas.microsoft.com/office/powerpoint/2015/10/main">
   <p1510:revLst>
-    <p1510:client id="{CB32CFD7-EACE-4CED-B2EA-C2DE5920D6B7}" v="70" dt="2025-10-16T07:22:10.042"/>
+    <p1510:client id="{CB32CFD7-EACE-4CED-B2EA-C2DE5920D6B7}" v="71" dt="2025-10-17T07:53:34.517"/>
   </p1510:revLst>
 </p1510:revInfo>
 </file>
@@ -146,7 +147,7 @@
   <pc:docChgLst>
     <pc:chgData name="Mäki, Miika S" userId="0607e178-1540-43e7-97f4-ff67750a6258" providerId="ADAL" clId="{04BE3CDA-4F37-41AA-8A3F-908D79469EF9}"/>
     <pc:docChg chg="undo custSel addSld delSld modSld sldOrd">
-      <pc:chgData name="Mäki, Miika S" userId="0607e178-1540-43e7-97f4-ff67750a6258" providerId="ADAL" clId="{04BE3CDA-4F37-41AA-8A3F-908D79469EF9}" dt="2025-10-16T07:01:11.503" v="421" actId="1076"/>
+      <pc:chgData name="Mäki, Miika S" userId="0607e178-1540-43e7-97f4-ff67750a6258" providerId="ADAL" clId="{04BE3CDA-4F37-41AA-8A3F-908D79469EF9}" dt="2025-10-17T07:53:37.896" v="426" actId="962"/>
       <pc:docMkLst>
         <pc:docMk/>
       </pc:docMkLst>
@@ -634,6 +635,21 @@
           </ac:picMkLst>
         </pc:picChg>
       </pc:sldChg>
+      <pc:sldChg chg="addSp modSp new mod">
+        <pc:chgData name="Mäki, Miika S" userId="0607e178-1540-43e7-97f4-ff67750a6258" providerId="ADAL" clId="{04BE3CDA-4F37-41AA-8A3F-908D79469EF9}" dt="2025-10-17T07:53:37.896" v="426" actId="962"/>
+        <pc:sldMkLst>
+          <pc:docMk/>
+          <pc:sldMk cId="1187186245" sldId="275"/>
+        </pc:sldMkLst>
+        <pc:picChg chg="add mod">
+          <ac:chgData name="Mäki, Miika S" userId="0607e178-1540-43e7-97f4-ff67750a6258" providerId="ADAL" clId="{04BE3CDA-4F37-41AA-8A3F-908D79469EF9}" dt="2025-10-17T07:53:37.896" v="426" actId="962"/>
+          <ac:picMkLst>
+            <pc:docMk/>
+            <pc:sldMk cId="1187186245" sldId="275"/>
+            <ac:picMk id="4" creationId="{EA64DEFE-07CD-5B8C-F6AB-B239FF191217}"/>
+          </ac:picMkLst>
+        </pc:picChg>
+      </pc:sldChg>
       <pc:sldChg chg="new del ord">
         <pc:chgData name="Mäki, Miika S" userId="0607e178-1540-43e7-97f4-ff67750a6258" providerId="ADAL" clId="{04BE3CDA-4F37-41AA-8A3F-908D79469EF9}" dt="2025-10-16T06:45:34.800" v="391" actId="47"/>
         <pc:sldMkLst>
@@ -905,7 +921,7 @@
             <a:pPr rtl="0"/>
             <a:fld id="{8EDEBEE2-912F-480E-9C05-4E31D92225DD}" type="datetime1">
               <a:rPr lang="fi-FI" smtClean="0"/>
-              <a:t>16.10.2025</a:t>
+              <a:t>17.10.2025</a:t>
             </a:fld>
             <a:endParaRPr lang="en-US" dirty="0"/>
           </a:p>
@@ -1271,7 +1287,7 @@
             <a:pPr rtl="0"/>
             <a:fld id="{1921C386-28B7-45C1-B2F1-573A3A26E1C5}" type="datetime1">
               <a:rPr lang="fi-FI" smtClean="0"/>
-              <a:t>16.10.2025</a:t>
+              <a:t>17.10.2025</a:t>
             </a:fld>
             <a:endParaRPr lang="en-US"/>
           </a:p>
@@ -1610,7 +1626,7 @@
             <a:pPr rtl="0"/>
             <a:fld id="{1921C386-28B7-45C1-B2F1-573A3A26E1C5}" type="datetime1">
               <a:rPr lang="fi-FI" smtClean="0"/>
-              <a:t>16.10.2025</a:t>
+              <a:t>17.10.2025</a:t>
             </a:fld>
             <a:endParaRPr lang="en-US"/>
           </a:p>
@@ -1634,7 +1650,7 @@
             <a:pPr rtl="0"/>
             <a:fld id="{9C2B151B-D7D1-48E5-8230-5AADBC794F88}" type="slidenum">
               <a:rPr lang="en-US" smtClean="0"/>
-              <a:t>8</a:t>
+              <a:t>9</a:t>
             </a:fld>
             <a:endParaRPr lang="en-US"/>
           </a:p>
@@ -1750,7 +1766,7 @@
             <a:pPr rtl="0"/>
             <a:fld id="{1921C386-28B7-45C1-B2F1-573A3A26E1C5}" type="datetime1">
               <a:rPr lang="fi-FI" smtClean="0"/>
-              <a:t>16.10.2025</a:t>
+              <a:t>17.10.2025</a:t>
             </a:fld>
             <a:endParaRPr lang="en-US"/>
           </a:p>
@@ -1774,7 +1790,7 @@
             <a:pPr rtl="0"/>
             <a:fld id="{9C2B151B-D7D1-48E5-8230-5AADBC794F88}" type="slidenum">
               <a:rPr lang="en-US" smtClean="0"/>
-              <a:t>12</a:t>
+              <a:t>13</a:t>
             </a:fld>
             <a:endParaRPr lang="en-US"/>
           </a:p>
@@ -2040,7 +2056,7 @@
             <a:pPr rtl="0"/>
             <a:fld id="{D333519F-843D-4D32-BA64-656BC6AC4DA3}" type="datetime1">
               <a:rPr lang="fi-FI" smtClean="0"/>
-              <a:t>16.10.2025</a:t>
+              <a:t>17.10.2025</a:t>
             </a:fld>
             <a:endParaRPr lang="en-US" dirty="0"/>
           </a:p>
@@ -2232,7 +2248,7 @@
             <a:pPr rtl="0"/>
             <a:fld id="{6F41986F-AC63-4C6C-A83D-BE731401382C}" type="datetime1">
               <a:rPr lang="fi-FI" smtClean="0"/>
-              <a:t>16.10.2025</a:t>
+              <a:t>17.10.2025</a:t>
             </a:fld>
             <a:endParaRPr lang="en-US" dirty="0"/>
           </a:p>
@@ -2478,7 +2494,7 @@
             <a:pPr rtl="0"/>
             <a:fld id="{4E98A873-79C9-43D8-B793-398293F8F7CF}" type="datetime1">
               <a:rPr lang="fi-FI" smtClean="0"/>
-              <a:t>16.10.2025</a:t>
+              <a:t>17.10.2025</a:t>
             </a:fld>
             <a:endParaRPr lang="en-US" dirty="0"/>
           </a:p>
@@ -2670,7 +2686,7 @@
             <a:pPr rtl="0"/>
             <a:fld id="{78703801-F711-40F9-9B56-77FBC145414B}" type="datetime1">
               <a:rPr lang="fi-FI" smtClean="0"/>
-              <a:t>16.10.2025</a:t>
+              <a:t>17.10.2025</a:t>
             </a:fld>
             <a:endParaRPr lang="en-US" dirty="0"/>
           </a:p>
@@ -3047,7 +3063,7 @@
             <a:pPr rtl="0"/>
             <a:fld id="{D7CD3DFB-A4C7-4CEC-AB9B-66D7594D9109}" type="datetime1">
               <a:rPr lang="fi-FI" smtClean="0"/>
-              <a:t>16.10.2025</a:t>
+              <a:t>17.10.2025</a:t>
             </a:fld>
             <a:endParaRPr lang="en-US" dirty="0"/>
           </a:p>
@@ -3306,7 +3322,7 @@
             <a:pPr rtl="0"/>
             <a:fld id="{D25D4FFD-250F-42DE-8618-6D33D0945576}" type="datetime1">
               <a:rPr lang="fi-FI" smtClean="0"/>
-              <a:t>16.10.2025</a:t>
+              <a:t>17.10.2025</a:t>
             </a:fld>
             <a:endParaRPr lang="en-US" dirty="0"/>
           </a:p>
@@ -3707,7 +3723,7 @@
             <a:pPr rtl="0"/>
             <a:fld id="{526A7F96-E146-44FA-9181-EADF068C161D}" type="datetime1">
               <a:rPr lang="fi-FI" smtClean="0"/>
-              <a:t>16.10.2025</a:t>
+              <a:t>17.10.2025</a:t>
             </a:fld>
             <a:endParaRPr lang="en-US" dirty="0"/>
           </a:p>
@@ -3847,7 +3863,7 @@
             <a:pPr rtl="0"/>
             <a:fld id="{78BC3B49-041D-4B38-8CBE-140F67F1C3C3}" type="datetime1">
               <a:rPr lang="fi-FI" smtClean="0"/>
-              <a:t>16.10.2025</a:t>
+              <a:t>17.10.2025</a:t>
             </a:fld>
             <a:endParaRPr lang="en-US" dirty="0"/>
           </a:p>
@@ -4014,7 +4030,7 @@
             <a:pPr rtl="0"/>
             <a:fld id="{DD2A58AB-B984-44E1-96A8-5FC5D89F26AA}" type="datetime1">
               <a:rPr lang="fi-FI" smtClean="0"/>
-              <a:t>16.10.2025</a:t>
+              <a:t>17.10.2025</a:t>
             </a:fld>
             <a:endParaRPr lang="en-US" dirty="0"/>
           </a:p>
@@ -4347,7 +4363,7 @@
             <a:pPr rtl="0"/>
             <a:fld id="{81DDB612-6900-4DF6-9D0F-3D8EC5067B5D}" type="datetime1">
               <a:rPr lang="fi-FI" smtClean="0"/>
-              <a:t>16.10.2025</a:t>
+              <a:t>17.10.2025</a:t>
             </a:fld>
             <a:endParaRPr lang="en-US" dirty="0"/>
           </a:p>
@@ -4709,7 +4725,7 @@
             <a:pPr rtl="0"/>
             <a:fld id="{399058F8-0286-4E06-8D9E-02EE5CB85371}" type="datetime1">
               <a:rPr lang="fi-FI" smtClean="0"/>
-              <a:t>16.10.2025</a:t>
+              <a:t>17.10.2025</a:t>
             </a:fld>
             <a:endParaRPr lang="en-US" dirty="0"/>
           </a:p>
@@ -4980,7 +4996,7 @@
             <a:pPr rtl="0"/>
             <a:fld id="{E6343564-1337-43E5-904A-A7BD9FFE90C2}" type="datetime1">
               <a:rPr lang="fi-FI" smtClean="0"/>
-              <a:t>16.10.2025</a:t>
+              <a:t>17.10.2025</a:t>
             </a:fld>
             <a:endParaRPr lang="en-US" dirty="0"/>
           </a:p>
@@ -5668,7 +5684,7 @@
                   <a:spcPts val="600"/>
                 </a:spcAft>
               </a:pPr>
-              <a:t>16.10.2025</a:t>
+              <a:t>17.10.2025</a:t>
             </a:fld>
             <a:endParaRPr lang="en-US"/>
           </a:p>
@@ -5688,6 +5704,373 @@
 </file>
 
 <file path=ppt/slides/slide10.xml><?xml version="1.0" encoding="utf-8"?>
+<p:sld xmlns:a="http://schemas.openxmlformats.org/drawingml/2006/main" xmlns:r="http://schemas.openxmlformats.org/officeDocument/2006/relationships" xmlns:p="http://schemas.openxmlformats.org/presentationml/2006/main">
+  <p:cSld>
+    <p:spTree>
+      <p:nvGrpSpPr>
+        <p:cNvPr id="1" name=""/>
+        <p:cNvGrpSpPr/>
+        <p:nvPr/>
+      </p:nvGrpSpPr>
+      <p:grpSpPr>
+        <a:xfrm>
+          <a:off x="0" y="0"/>
+          <a:ext cx="0" cy="0"/>
+          <a:chOff x="0" y="0"/>
+          <a:chExt cx="0" cy="0"/>
+        </a:xfrm>
+      </p:grpSpPr>
+      <p:sp>
+        <p:nvSpPr>
+          <p:cNvPr id="2" name="Date Placeholder 1">
+            <a:extLst>
+              <a:ext uri="{FF2B5EF4-FFF2-40B4-BE49-F238E27FC236}">
+                <a16:creationId xmlns:a16="http://schemas.microsoft.com/office/drawing/2014/main" id="{6733B9E5-AAA8-E2D7-E91C-07AFC3048C01}"/>
+              </a:ext>
+            </a:extLst>
+          </p:cNvPr>
+          <p:cNvSpPr>
+            <a:spLocks noGrp="1"/>
+          </p:cNvSpPr>
+          <p:nvPr>
+            <p:ph type="dt" sz="half" idx="10"/>
+          </p:nvPr>
+        </p:nvSpPr>
+        <p:spPr/>
+        <p:txBody>
+          <a:bodyPr/>
+          <a:lstStyle/>
+          <a:p>
+            <a:pPr rtl="0"/>
+            <a:fld id="{DD2A58AB-B984-44E1-96A8-5FC5D89F26AA}" type="datetime1">
+              <a:rPr lang="fi-FI" smtClean="0"/>
+              <a:t>17.10.2025</a:t>
+            </a:fld>
+            <a:endParaRPr lang="en-US" dirty="0"/>
+          </a:p>
+        </p:txBody>
+      </p:sp>
+      <p:pic>
+        <p:nvPicPr>
+          <p:cNvPr id="4" name="Picture 3">
+            <a:extLst>
+              <a:ext uri="{FF2B5EF4-FFF2-40B4-BE49-F238E27FC236}">
+                <a16:creationId xmlns:a16="http://schemas.microsoft.com/office/drawing/2014/main" id="{1D7ADE9D-BBB4-9329-E909-A785E25C9D5B}"/>
+              </a:ext>
+            </a:extLst>
+          </p:cNvPr>
+          <p:cNvPicPr>
+            <a:picLocks noChangeAspect="1"/>
+          </p:cNvPicPr>
+          <p:nvPr/>
+        </p:nvPicPr>
+        <p:blipFill>
+          <a:blip r:embed="rId2" cstate="screen">
+            <a:extLst>
+              <a:ext uri="{28A0092B-C50C-407E-A947-70E740481C1C}">
+                <a14:useLocalDpi xmlns:a14="http://schemas.microsoft.com/office/drawing/2010/main"/>
+              </a:ext>
+            </a:extLst>
+          </a:blip>
+          <a:stretch>
+            <a:fillRect/>
+          </a:stretch>
+        </p:blipFill>
+        <p:spPr>
+          <a:xfrm>
+            <a:off x="5076" y="1"/>
+            <a:ext cx="12788211" cy="7311848"/>
+          </a:xfrm>
+          <a:prstGeom prst="rect">
+            <a:avLst/>
+          </a:prstGeom>
+        </p:spPr>
+      </p:pic>
+      <mc:AlternateContent xmlns:mc="http://schemas.openxmlformats.org/markup-compatibility/2006" xmlns:p14="http://schemas.microsoft.com/office/powerpoint/2010/main">
+        <mc:Choice Requires="p14">
+          <p:contentPart p14:bwMode="auto" r:id="rId3">
+            <p14:nvContentPartPr>
+              <p14:cNvPr id="6" name="Ink 5">
+                <a:extLst>
+                  <a:ext uri="{FF2B5EF4-FFF2-40B4-BE49-F238E27FC236}">
+                    <a16:creationId xmlns:a16="http://schemas.microsoft.com/office/drawing/2014/main" id="{FD8045D4-C972-328A-6DC5-8F3C25AD5668}"/>
+                  </a:ext>
+                </a:extLst>
+              </p14:cNvPr>
+              <p14:cNvContentPartPr/>
+              <p14:nvPr/>
+            </p14:nvContentPartPr>
+            <p14:xfrm>
+              <a:off x="7716665" y="1262196"/>
+              <a:ext cx="2035440" cy="915480"/>
+            </p14:xfrm>
+          </p:contentPart>
+        </mc:Choice>
+        <mc:Fallback xmlns="">
+          <p:pic>
+            <p:nvPicPr>
+              <p:cNvPr id="6" name="Ink 5">
+                <a:extLst>
+                  <a:ext uri="{FF2B5EF4-FFF2-40B4-BE49-F238E27FC236}">
+                    <a16:creationId xmlns:a16="http://schemas.microsoft.com/office/drawing/2014/main" id="{FD8045D4-C972-328A-6DC5-8F3C25AD5668}"/>
+                  </a:ext>
+                </a:extLst>
+              </p:cNvPr>
+              <p:cNvPicPr/>
+              <p:nvPr/>
+            </p:nvPicPr>
+            <p:blipFill>
+              <a:blip r:embed="rId4"/>
+              <a:stretch>
+                <a:fillRect/>
+              </a:stretch>
+            </p:blipFill>
+            <p:spPr>
+              <a:xfrm>
+                <a:off x="7653665" y="1199196"/>
+                <a:ext cx="2161080" cy="1041120"/>
+              </a:xfrm>
+              <a:prstGeom prst="rect">
+                <a:avLst/>
+              </a:prstGeom>
+            </p:spPr>
+          </p:pic>
+        </mc:Fallback>
+      </mc:AlternateContent>
+      <mc:AlternateContent xmlns:mc="http://schemas.openxmlformats.org/markup-compatibility/2006" xmlns:p14="http://schemas.microsoft.com/office/powerpoint/2010/main">
+        <mc:Choice Requires="p14">
+          <p:contentPart p14:bwMode="auto" r:id="rId5">
+            <p14:nvContentPartPr>
+              <p14:cNvPr id="7" name="Ink 6">
+                <a:extLst>
+                  <a:ext uri="{FF2B5EF4-FFF2-40B4-BE49-F238E27FC236}">
+                    <a16:creationId xmlns:a16="http://schemas.microsoft.com/office/drawing/2014/main" id="{A06C7DAD-F56E-23E6-EC46-96B8ABEDC6DA}"/>
+                  </a:ext>
+                </a:extLst>
+              </p14:cNvPr>
+              <p14:cNvContentPartPr/>
+              <p14:nvPr/>
+            </p14:nvContentPartPr>
+            <p14:xfrm>
+              <a:off x="5354246" y="662777"/>
+              <a:ext cx="1374480" cy="557280"/>
+            </p14:xfrm>
+          </p:contentPart>
+        </mc:Choice>
+        <mc:Fallback xmlns="">
+          <p:pic>
+            <p:nvPicPr>
+              <p:cNvPr id="7" name="Ink 6">
+                <a:extLst>
+                  <a:ext uri="{FF2B5EF4-FFF2-40B4-BE49-F238E27FC236}">
+                    <a16:creationId xmlns:a16="http://schemas.microsoft.com/office/drawing/2014/main" id="{A06C7DAD-F56E-23E6-EC46-96B8ABEDC6DA}"/>
+                  </a:ext>
+                </a:extLst>
+              </p:cNvPr>
+              <p:cNvPicPr/>
+              <p:nvPr/>
+            </p:nvPicPr>
+            <p:blipFill>
+              <a:blip r:embed="rId6"/>
+              <a:stretch>
+                <a:fillRect/>
+              </a:stretch>
+            </p:blipFill>
+            <p:spPr>
+              <a:xfrm>
+                <a:off x="5318606" y="626777"/>
+                <a:ext cx="1446120" cy="628920"/>
+              </a:xfrm>
+              <a:prstGeom prst="rect">
+                <a:avLst/>
+              </a:prstGeom>
+            </p:spPr>
+          </p:pic>
+        </mc:Fallback>
+      </mc:AlternateContent>
+    </p:spTree>
+    <p:extLst>
+      <p:ext uri="{BB962C8B-B14F-4D97-AF65-F5344CB8AC3E}">
+        <p14:creationId xmlns:p14="http://schemas.microsoft.com/office/powerpoint/2010/main" val="2411201461"/>
+      </p:ext>
+    </p:extLst>
+  </p:cSld>
+  <p:clrMapOvr>
+    <a:masterClrMapping/>
+  </p:clrMapOvr>
+  <p:timing>
+    <p:tnLst>
+      <p:par>
+        <p:cTn id="1" dur="indefinite" restart="never" nodeType="tmRoot">
+          <p:childTnLst>
+            <p:seq concurrent="1" nextAc="seek">
+              <p:cTn id="2" dur="indefinite" nodeType="mainSeq">
+                <p:childTnLst>
+                  <p:par>
+                    <p:cTn id="3" fill="hold">
+                      <p:stCondLst>
+                        <p:cond delay="indefinite"/>
+                        <p:cond evt="onBegin" delay="0">
+                          <p:tn val="2"/>
+                        </p:cond>
+                      </p:stCondLst>
+                      <p:childTnLst>
+                        <p:par>
+                          <p:cTn id="4" fill="hold">
+                            <p:stCondLst>
+                              <p:cond delay="0"/>
+                            </p:stCondLst>
+                            <p:childTnLst>
+                              <p:par>
+                                <p:cTn id="5" presetID="63" presetClass="entr" presetSubtype="0" fill="hold" nodeType="withEffect">
+                                  <p:stCondLst>
+                                    <p:cond delay="200"/>
+                                  </p:stCondLst>
+                                  <p:childTnLst>
+                                    <p:set>
+                                      <p:cBhvr>
+                                        <p:cTn id="6" dur="1" fill="hold">
+                                          <p:stCondLst>
+                                            <p:cond delay="0"/>
+                                          </p:stCondLst>
+                                        </p:cTn>
+                                        <p:tgtEl>
+                                          <p:spTgt spid="7"/>
+                                        </p:tgtEl>
+                                        <p:attrNameLst>
+                                          <p:attrName>style.visibility</p:attrName>
+                                        </p:attrNameLst>
+                                      </p:cBhvr>
+                                      <p:to>
+                                        <p:strVal val="visible"/>
+                                      </p:to>
+                                    </p:set>
+                                    <p:anim calcmode="lin" valueType="num">
+                                      <p:cBhvr>
+                                        <p:cTn id="7" dur="200" fill="hold"/>
+                                        <p:tgtEl>
+                                          <p:spTgt spid="7"/>
+                                        </p:tgtEl>
+                                        <p:attrNameLst>
+                                          <p:attrName>drawProgress</p:attrName>
+                                        </p:attrNameLst>
+                                      </p:cBhvr>
+                                      <p:tavLst>
+                                        <p:tav tm="0">
+                                          <p:val>
+                                            <p:fltVal val="0"/>
+                                          </p:val>
+                                        </p:tav>
+                                        <p:tav tm="100000">
+                                          <p:val>
+                                            <p:fltVal val="1"/>
+                                          </p:val>
+                                        </p:tav>
+                                      </p:tavLst>
+                                    </p:anim>
+                                  </p:childTnLst>
+                                </p:cTn>
+                              </p:par>
+                            </p:childTnLst>
+                          </p:cTn>
+                        </p:par>
+                      </p:childTnLst>
+                    </p:cTn>
+                  </p:par>
+                  <p:par>
+                    <p:cTn id="8" fill="hold">
+                      <p:stCondLst>
+                        <p:cond delay="indefinite"/>
+                      </p:stCondLst>
+                      <p:childTnLst>
+                        <p:par>
+                          <p:cTn id="9" fill="hold">
+                            <p:stCondLst>
+                              <p:cond delay="0"/>
+                            </p:stCondLst>
+                            <p:childTnLst>
+                              <p:par>
+                                <p:cTn id="10" presetID="63" presetClass="entr" presetSubtype="0" fill="hold" nodeType="clickEffect">
+                                  <p:stCondLst>
+                                    <p:cond delay="0"/>
+                                  </p:stCondLst>
+                                  <p:childTnLst>
+                                    <p:set>
+                                      <p:cBhvr>
+                                        <p:cTn id="11" dur="1" fill="hold">
+                                          <p:stCondLst>
+                                            <p:cond delay="0"/>
+                                          </p:stCondLst>
+                                        </p:cTn>
+                                        <p:tgtEl>
+                                          <p:spTgt spid="6"/>
+                                        </p:tgtEl>
+                                        <p:attrNameLst>
+                                          <p:attrName>style.visibility</p:attrName>
+                                        </p:attrNameLst>
+                                      </p:cBhvr>
+                                      <p:to>
+                                        <p:strVal val="visible"/>
+                                      </p:to>
+                                    </p:set>
+                                    <p:anim calcmode="lin" valueType="num">
+                                      <p:cBhvr>
+                                        <p:cTn id="12" dur="200" fill="hold"/>
+                                        <p:tgtEl>
+                                          <p:spTgt spid="6"/>
+                                        </p:tgtEl>
+                                        <p:attrNameLst>
+                                          <p:attrName>drawProgress</p:attrName>
+                                        </p:attrNameLst>
+                                      </p:cBhvr>
+                                      <p:tavLst>
+                                        <p:tav tm="0">
+                                          <p:val>
+                                            <p:fltVal val="0"/>
+                                          </p:val>
+                                        </p:tav>
+                                        <p:tav tm="100000">
+                                          <p:val>
+                                            <p:fltVal val="1"/>
+                                          </p:val>
+                                        </p:tav>
+                                      </p:tavLst>
+                                    </p:anim>
+                                  </p:childTnLst>
+                                </p:cTn>
+                              </p:par>
+                            </p:childTnLst>
+                          </p:cTn>
+                        </p:par>
+                      </p:childTnLst>
+                    </p:cTn>
+                  </p:par>
+                </p:childTnLst>
+              </p:cTn>
+              <p:prevCondLst>
+                <p:cond evt="onPrev" delay="0">
+                  <p:tgtEl>
+                    <p:sldTgt/>
+                  </p:tgtEl>
+                </p:cond>
+              </p:prevCondLst>
+              <p:nextCondLst>
+                <p:cond evt="onNext" delay="0">
+                  <p:tgtEl>
+                    <p:sldTgt/>
+                  </p:tgtEl>
+                </p:cond>
+              </p:nextCondLst>
+            </p:seq>
+          </p:childTnLst>
+        </p:cTn>
+      </p:par>
+    </p:tnLst>
+  </p:timing>
+</p:sld>
+</file>
+
+<file path=ppt/slides/slide11.xml><?xml version="1.0" encoding="utf-8"?>
 <p:sld xmlns:a="http://schemas.openxmlformats.org/drawingml/2006/main" xmlns:r="http://schemas.openxmlformats.org/officeDocument/2006/relationships" xmlns:p="http://schemas.openxmlformats.org/presentationml/2006/main">
   <p:cSld>
     <p:spTree>
@@ -5734,7 +6117,7 @@
             <a:pPr rtl="0"/>
             <a:fld id="{DD2A58AB-B984-44E1-96A8-5FC5D89F26AA}" type="datetime1">
               <a:rPr lang="fi-FI" smtClean="0"/>
-              <a:t>16.10.2025</a:t>
+              <a:t>17.10.2025</a:t>
             </a:fld>
             <a:endParaRPr lang="en-US" dirty="0"/>
           </a:p>
@@ -5770,8 +6153,8 @@
           </a:prstGeom>
         </p:spPr>
       </p:pic>
-      <mc:AlternateContent xmlns:mc="http://schemas.openxmlformats.org/markup-compatibility/2006">
-        <mc:Choice xmlns:p14="http://schemas.microsoft.com/office/powerpoint/2010/main" Requires="p14">
+      <mc:AlternateContent xmlns:mc="http://schemas.openxmlformats.org/markup-compatibility/2006" xmlns:p14="http://schemas.microsoft.com/office/powerpoint/2010/main">
+        <mc:Choice Requires="p14">
           <p:contentPart p14:bwMode="auto" r:id="rId3">
             <p14:nvContentPartPr>
               <p14:cNvPr id="15" name="Ink 14">
@@ -5790,7 +6173,7 @@
             </p14:xfrm>
           </p:contentPart>
         </mc:Choice>
-        <mc:Fallback>
+        <mc:Fallback xmlns="">
           <p:pic>
             <p:nvPicPr>
               <p:cNvPr id="15" name="Ink 14">
@@ -5821,8 +6204,8 @@
           </p:pic>
         </mc:Fallback>
       </mc:AlternateContent>
-      <mc:AlternateContent xmlns:mc="http://schemas.openxmlformats.org/markup-compatibility/2006">
-        <mc:Choice xmlns:p14="http://schemas.microsoft.com/office/powerpoint/2010/main" Requires="p14">
+      <mc:AlternateContent xmlns:mc="http://schemas.openxmlformats.org/markup-compatibility/2006" xmlns:p14="http://schemas.microsoft.com/office/powerpoint/2010/main">
+        <mc:Choice Requires="p14">
           <p:contentPart p14:bwMode="auto" r:id="rId5">
             <p14:nvContentPartPr>
               <p14:cNvPr id="19" name="Ink 18">
@@ -5841,7 +6224,7 @@
             </p14:xfrm>
           </p:contentPart>
         </mc:Choice>
-        <mc:Fallback>
+        <mc:Fallback xmlns="">
           <p:pic>
             <p:nvPicPr>
               <p:cNvPr id="19" name="Ink 18">
@@ -5872,8 +6255,8 @@
           </p:pic>
         </mc:Fallback>
       </mc:AlternateContent>
-      <mc:AlternateContent xmlns:mc="http://schemas.openxmlformats.org/markup-compatibility/2006">
-        <mc:Choice xmlns:p14="http://schemas.microsoft.com/office/powerpoint/2010/main" Requires="p14">
+      <mc:AlternateContent xmlns:mc="http://schemas.openxmlformats.org/markup-compatibility/2006" xmlns:p14="http://schemas.microsoft.com/office/powerpoint/2010/main">
+        <mc:Choice Requires="p14">
           <p:contentPart p14:bwMode="auto" r:id="rId7">
             <p14:nvContentPartPr>
               <p14:cNvPr id="21" name="Ink 20">
@@ -5892,7 +6275,7 @@
             </p14:xfrm>
           </p:contentPart>
         </mc:Choice>
-        <mc:Fallback>
+        <mc:Fallback xmlns="">
           <p:pic>
             <p:nvPicPr>
               <p:cNvPr id="21" name="Ink 20">
@@ -5923,8 +6306,8 @@
           </p:pic>
         </mc:Fallback>
       </mc:AlternateContent>
-      <mc:AlternateContent xmlns:mc="http://schemas.openxmlformats.org/markup-compatibility/2006">
-        <mc:Choice xmlns:p14="http://schemas.microsoft.com/office/powerpoint/2010/main" Requires="p14">
+      <mc:AlternateContent xmlns:mc="http://schemas.openxmlformats.org/markup-compatibility/2006" xmlns:p14="http://schemas.microsoft.com/office/powerpoint/2010/main">
+        <mc:Choice Requires="p14">
           <p:contentPart p14:bwMode="auto" r:id="rId9">
             <p14:nvContentPartPr>
               <p14:cNvPr id="24" name="Ink 23">
@@ -5943,7 +6326,7 @@
             </p14:xfrm>
           </p:contentPart>
         </mc:Choice>
-        <mc:Fallback>
+        <mc:Fallback xmlns="">
           <p:pic>
             <p:nvPicPr>
               <p:cNvPr id="24" name="Ink 23">
@@ -6613,7 +6996,7 @@
 </p:sld>
 </file>
 
-<file path=ppt/slides/slide11.xml><?xml version="1.0" encoding="utf-8"?>
+<file path=ppt/slides/slide12.xml><?xml version="1.0" encoding="utf-8"?>
 <p:sld xmlns:a="http://schemas.openxmlformats.org/drawingml/2006/main" xmlns:r="http://schemas.openxmlformats.org/officeDocument/2006/relationships" xmlns:p="http://schemas.openxmlformats.org/presentationml/2006/main">
   <p:cSld>
     <p:spTree>
@@ -6654,7 +7037,7 @@
             <a:pPr rtl="0"/>
             <a:fld id="{DD2A58AB-B984-44E1-96A8-5FC5D89F26AA}" type="datetime1">
               <a:rPr lang="fi-FI" smtClean="0"/>
-              <a:t>16.10.2025</a:t>
+              <a:t>17.10.2025</a:t>
             </a:fld>
             <a:endParaRPr lang="en-US" dirty="0"/>
           </a:p>
@@ -6703,7 +7086,7 @@
 </p:sld>
 </file>
 
-<file path=ppt/slides/slide12.xml><?xml version="1.0" encoding="utf-8"?>
+<file path=ppt/slides/slide13.xml><?xml version="1.0" encoding="utf-8"?>
 <p:sld xmlns:a="http://schemas.openxmlformats.org/drawingml/2006/main" xmlns:r="http://schemas.openxmlformats.org/officeDocument/2006/relationships" xmlns:p="http://schemas.openxmlformats.org/presentationml/2006/main">
   <p:cSld>
     <p:spTree>
@@ -6744,7 +7127,7 @@
             <a:pPr rtl="0"/>
             <a:fld id="{DD2A58AB-B984-44E1-96A8-5FC5D89F26AA}" type="datetime1">
               <a:rPr lang="fi-FI" smtClean="0"/>
-              <a:t>16.10.2025</a:t>
+              <a:t>17.10.2025</a:t>
             </a:fld>
             <a:endParaRPr lang="en-US" dirty="0"/>
           </a:p>
@@ -6799,7 +7182,7 @@
 </p:sld>
 </file>
 
-<file path=ppt/slides/slide13.xml><?xml version="1.0" encoding="utf-8"?>
+<file path=ppt/slides/slide14.xml><?xml version="1.0" encoding="utf-8"?>
 <p:sld xmlns:a="http://schemas.openxmlformats.org/drawingml/2006/main" xmlns:r="http://schemas.openxmlformats.org/officeDocument/2006/relationships" xmlns:p="http://schemas.openxmlformats.org/presentationml/2006/main">
   <p:cSld>
     <p:spTree>
@@ -6957,7 +7340,7 @@
             <a:pPr rtl="0"/>
             <a:fld id="{399058F8-0286-4E06-8D9E-02EE5CB85371}" type="datetime1">
               <a:rPr lang="fi-FI" smtClean="0"/>
-              <a:t>16.10.2025</a:t>
+              <a:t>17.10.2025</a:t>
             </a:fld>
             <a:endParaRPr lang="en-US" dirty="0"/>
           </a:p>
@@ -6998,6 +7381,102 @@
           <p:cNvPr id="2" name="Date Placeholder 1">
             <a:extLst>
               <a:ext uri="{FF2B5EF4-FFF2-40B4-BE49-F238E27FC236}">
+                <a16:creationId xmlns:a16="http://schemas.microsoft.com/office/drawing/2014/main" id="{84B47064-9597-6E4B-E88B-F14B06D15C75}"/>
+              </a:ext>
+            </a:extLst>
+          </p:cNvPr>
+          <p:cNvSpPr>
+            <a:spLocks noGrp="1"/>
+          </p:cNvSpPr>
+          <p:nvPr>
+            <p:ph type="dt" sz="half" idx="10"/>
+          </p:nvPr>
+        </p:nvSpPr>
+        <p:spPr/>
+        <p:txBody>
+          <a:bodyPr/>
+          <a:lstStyle/>
+          <a:p>
+            <a:pPr rtl="0"/>
+            <a:fld id="{DD2A58AB-B984-44E1-96A8-5FC5D89F26AA}" type="datetime1">
+              <a:rPr lang="fi-FI" smtClean="0"/>
+              <a:t>17.10.2025</a:t>
+            </a:fld>
+            <a:endParaRPr lang="en-US" dirty="0"/>
+          </a:p>
+        </p:txBody>
+      </p:sp>
+      <p:pic>
+        <p:nvPicPr>
+          <p:cNvPr id="4" name="Picture 3" descr="A logo with text on it&#10;&#10;AI-generated content may be incorrect.">
+            <a:extLst>
+              <a:ext uri="{FF2B5EF4-FFF2-40B4-BE49-F238E27FC236}">
+                <a16:creationId xmlns:a16="http://schemas.microsoft.com/office/drawing/2014/main" id="{EA64DEFE-07CD-5B8C-F6AB-B239FF191217}"/>
+              </a:ext>
+            </a:extLst>
+          </p:cNvPr>
+          <p:cNvPicPr>
+            <a:picLocks noChangeAspect="1"/>
+          </p:cNvPicPr>
+          <p:nvPr/>
+        </p:nvPicPr>
+        <p:blipFill>
+          <a:blip r:embed="rId2">
+            <a:extLst>
+              <a:ext uri="{28A0092B-C50C-407E-A947-70E740481C1C}">
+                <a14:useLocalDpi xmlns:a14="http://schemas.microsoft.com/office/drawing/2010/main" val="0"/>
+              </a:ext>
+            </a:extLst>
+          </a:blip>
+          <a:stretch>
+            <a:fillRect/>
+          </a:stretch>
+        </p:blipFill>
+        <p:spPr>
+          <a:xfrm>
+            <a:off x="152400" y="300037"/>
+            <a:ext cx="11430000" cy="5953125"/>
+          </a:xfrm>
+          <a:prstGeom prst="rect">
+            <a:avLst/>
+          </a:prstGeom>
+        </p:spPr>
+      </p:pic>
+    </p:spTree>
+    <p:extLst>
+      <p:ext uri="{BB962C8B-B14F-4D97-AF65-F5344CB8AC3E}">
+        <p14:creationId xmlns:p14="http://schemas.microsoft.com/office/powerpoint/2010/main" val="1187186245"/>
+      </p:ext>
+    </p:extLst>
+  </p:cSld>
+  <p:clrMapOvr>
+    <a:masterClrMapping/>
+  </p:clrMapOvr>
+</p:sld>
+</file>
+
+<file path=ppt/slides/slide3.xml><?xml version="1.0" encoding="utf-8"?>
+<p:sld xmlns:a="http://schemas.openxmlformats.org/drawingml/2006/main" xmlns:r="http://schemas.openxmlformats.org/officeDocument/2006/relationships" xmlns:p="http://schemas.openxmlformats.org/presentationml/2006/main">
+  <p:cSld>
+    <p:spTree>
+      <p:nvGrpSpPr>
+        <p:cNvPr id="1" name=""/>
+        <p:cNvGrpSpPr/>
+        <p:nvPr/>
+      </p:nvGrpSpPr>
+      <p:grpSpPr>
+        <a:xfrm>
+          <a:off x="0" y="0"/>
+          <a:ext cx="0" cy="0"/>
+          <a:chOff x="0" y="0"/>
+          <a:chExt cx="0" cy="0"/>
+        </a:xfrm>
+      </p:grpSpPr>
+      <p:sp>
+        <p:nvSpPr>
+          <p:cNvPr id="2" name="Date Placeholder 1">
+            <a:extLst>
+              <a:ext uri="{FF2B5EF4-FFF2-40B4-BE49-F238E27FC236}">
                 <a16:creationId xmlns:a16="http://schemas.microsoft.com/office/drawing/2014/main" id="{FECB278B-FF5C-0034-2AB9-3D8490B2CDB7}"/>
               </a:ext>
             </a:extLst>
@@ -7017,7 +7496,7 @@
             <a:pPr rtl="0"/>
             <a:fld id="{DD2A58AB-B984-44E1-96A8-5FC5D89F26AA}" type="datetime1">
               <a:rPr lang="fi-FI" smtClean="0"/>
-              <a:t>16.10.2025</a:t>
+              <a:t>17.10.2025</a:t>
             </a:fld>
             <a:endParaRPr lang="en-US" dirty="0"/>
           </a:p>
@@ -7072,7 +7551,7 @@
 </p:sld>
 </file>
 
-<file path=ppt/slides/slide3.xml><?xml version="1.0" encoding="utf-8"?>
+<file path=ppt/slides/slide4.xml><?xml version="1.0" encoding="utf-8"?>
 <p:sld xmlns:a="http://schemas.openxmlformats.org/drawingml/2006/main" xmlns:r="http://schemas.openxmlformats.org/officeDocument/2006/relationships" xmlns:p="http://schemas.openxmlformats.org/presentationml/2006/main">
   <p:cSld>
     <p:spTree>
@@ -7113,7 +7592,7 @@
             <a:pPr rtl="0"/>
             <a:fld id="{DD2A58AB-B984-44E1-96A8-5FC5D89F26AA}" type="datetime1">
               <a:rPr lang="fi-FI" smtClean="0"/>
-              <a:t>16.10.2025</a:t>
+              <a:t>17.10.2025</a:t>
             </a:fld>
             <a:endParaRPr lang="en-US" dirty="0"/>
           </a:p>
@@ -7168,7 +7647,7 @@
 </p:sld>
 </file>
 
-<file path=ppt/slides/slide4.xml><?xml version="1.0" encoding="utf-8"?>
+<file path=ppt/slides/slide5.xml><?xml version="1.0" encoding="utf-8"?>
 <p:sld xmlns:a="http://schemas.openxmlformats.org/drawingml/2006/main" xmlns:r="http://schemas.openxmlformats.org/officeDocument/2006/relationships" xmlns:p="http://schemas.openxmlformats.org/presentationml/2006/main">
   <p:cSld>
     <p:spTree>
@@ -7209,7 +7688,7 @@
             <a:pPr rtl="0"/>
             <a:fld id="{DD2A58AB-B984-44E1-96A8-5FC5D89F26AA}" type="datetime1">
               <a:rPr lang="fi-FI" smtClean="0"/>
-              <a:t>16.10.2025</a:t>
+              <a:t>17.10.2025</a:t>
             </a:fld>
             <a:endParaRPr lang="en-US" dirty="0"/>
           </a:p>
@@ -7264,7 +7743,7 @@
 </p:sld>
 </file>
 
-<file path=ppt/slides/slide5.xml><?xml version="1.0" encoding="utf-8"?>
+<file path=ppt/slides/slide6.xml><?xml version="1.0" encoding="utf-8"?>
 <p:sld xmlns:a="http://schemas.openxmlformats.org/drawingml/2006/main" xmlns:r="http://schemas.openxmlformats.org/officeDocument/2006/relationships" xmlns:p="http://schemas.openxmlformats.org/presentationml/2006/main">
   <p:cSld>
     <p:spTree>
@@ -7419,7 +7898,7 @@
                   <a:spcPts val="600"/>
                 </a:spcAft>
               </a:pPr>
-              <a:t>16.10.2025</a:t>
+              <a:t>17.10.2025</a:t>
             </a:fld>
             <a:endParaRPr lang="en-US"/>
           </a:p>
@@ -7438,7 +7917,7 @@
 </p:sld>
 </file>
 
-<file path=ppt/slides/slide6.xml><?xml version="1.0" encoding="utf-8"?>
+<file path=ppt/slides/slide7.xml><?xml version="1.0" encoding="utf-8"?>
 <p:sld xmlns:a="http://schemas.openxmlformats.org/drawingml/2006/main" xmlns:r="http://schemas.openxmlformats.org/officeDocument/2006/relationships" xmlns:p="http://schemas.openxmlformats.org/presentationml/2006/main">
   <p:cSld>
     <p:spTree>
@@ -7479,7 +7958,7 @@
             <a:pPr rtl="0"/>
             <a:fld id="{DD2A58AB-B984-44E1-96A8-5FC5D89F26AA}" type="datetime1">
               <a:rPr lang="fi-FI" smtClean="0"/>
-              <a:t>16.10.2025</a:t>
+              <a:t>17.10.2025</a:t>
             </a:fld>
             <a:endParaRPr lang="en-US" dirty="0"/>
           </a:p>
@@ -7627,7 +8106,7 @@
 </p:sld>
 </file>
 
-<file path=ppt/slides/slide7.xml><?xml version="1.0" encoding="utf-8"?>
+<file path=ppt/slides/slide8.xml><?xml version="1.0" encoding="utf-8"?>
 <p:sld xmlns:a="http://schemas.openxmlformats.org/drawingml/2006/main" xmlns:r="http://schemas.openxmlformats.org/officeDocument/2006/relationships" xmlns:p="http://schemas.openxmlformats.org/presentationml/2006/main">
   <p:cSld>
     <p:spTree>
@@ -7747,7 +8226,7 @@
             <a:pPr rtl="0"/>
             <a:fld id="{399058F8-0286-4E06-8D9E-02EE5CB85371}" type="datetime1">
               <a:rPr lang="fi-FI" smtClean="0"/>
-              <a:t>16.10.2025</a:t>
+              <a:t>17.10.2025</a:t>
             </a:fld>
             <a:endParaRPr lang="en-US" dirty="0"/>
           </a:p>
@@ -7797,8 +8276,8 @@
           </a:p>
         </p:txBody>
       </p:sp>
-      <mc:AlternateContent xmlns:mc="http://schemas.openxmlformats.org/markup-compatibility/2006">
-        <mc:Choice xmlns:p14="http://schemas.microsoft.com/office/powerpoint/2010/main" Requires="p14">
+      <mc:AlternateContent xmlns:mc="http://schemas.openxmlformats.org/markup-compatibility/2006" xmlns:p14="http://schemas.microsoft.com/office/powerpoint/2010/main">
+        <mc:Choice Requires="p14">
           <p:contentPart p14:bwMode="auto" r:id="rId3">
             <p14:nvContentPartPr>
               <p14:cNvPr id="9" name="Ink 8">
@@ -7817,7 +8296,7 @@
             </p14:xfrm>
           </p:contentPart>
         </mc:Choice>
-        <mc:Fallback>
+        <mc:Fallback xmlns="">
           <p:pic>
             <p:nvPicPr>
               <p:cNvPr id="9" name="Ink 8">
@@ -8104,7 +8583,7 @@
 </p:sld>
 </file>
 
-<file path=ppt/slides/slide8.xml><?xml version="1.0" encoding="utf-8"?>
+<file path=ppt/slides/slide9.xml><?xml version="1.0" encoding="utf-8"?>
 <p:sld xmlns:a="http://schemas.openxmlformats.org/drawingml/2006/main" xmlns:r="http://schemas.openxmlformats.org/officeDocument/2006/relationships" xmlns:p="http://schemas.openxmlformats.org/presentationml/2006/main">
   <p:cSld>
     <p:spTree>
@@ -8145,7 +8624,7 @@
             <a:pPr rtl="0"/>
             <a:fld id="{DD2A58AB-B984-44E1-96A8-5FC5D89F26AA}" type="datetime1">
               <a:rPr lang="fi-FI" smtClean="0"/>
-              <a:t>16.10.2025</a:t>
+              <a:t>17.10.2025</a:t>
             </a:fld>
             <a:endParaRPr lang="en-US" dirty="0"/>
           </a:p>
@@ -8252,373 +8731,6 @@
   <p:clrMapOvr>
     <a:masterClrMapping/>
   </p:clrMapOvr>
-</p:sld>
-</file>
-
-<file path=ppt/slides/slide9.xml><?xml version="1.0" encoding="utf-8"?>
-<p:sld xmlns:a="http://schemas.openxmlformats.org/drawingml/2006/main" xmlns:r="http://schemas.openxmlformats.org/officeDocument/2006/relationships" xmlns:p="http://schemas.openxmlformats.org/presentationml/2006/main">
-  <p:cSld>
-    <p:spTree>
-      <p:nvGrpSpPr>
-        <p:cNvPr id="1" name=""/>
-        <p:cNvGrpSpPr/>
-        <p:nvPr/>
-      </p:nvGrpSpPr>
-      <p:grpSpPr>
-        <a:xfrm>
-          <a:off x="0" y="0"/>
-          <a:ext cx="0" cy="0"/>
-          <a:chOff x="0" y="0"/>
-          <a:chExt cx="0" cy="0"/>
-        </a:xfrm>
-      </p:grpSpPr>
-      <p:sp>
-        <p:nvSpPr>
-          <p:cNvPr id="2" name="Date Placeholder 1">
-            <a:extLst>
-              <a:ext uri="{FF2B5EF4-FFF2-40B4-BE49-F238E27FC236}">
-                <a16:creationId xmlns:a16="http://schemas.microsoft.com/office/drawing/2014/main" id="{6733B9E5-AAA8-E2D7-E91C-07AFC3048C01}"/>
-              </a:ext>
-            </a:extLst>
-          </p:cNvPr>
-          <p:cNvSpPr>
-            <a:spLocks noGrp="1"/>
-          </p:cNvSpPr>
-          <p:nvPr>
-            <p:ph type="dt" sz="half" idx="10"/>
-          </p:nvPr>
-        </p:nvSpPr>
-        <p:spPr/>
-        <p:txBody>
-          <a:bodyPr/>
-          <a:lstStyle/>
-          <a:p>
-            <a:pPr rtl="0"/>
-            <a:fld id="{DD2A58AB-B984-44E1-96A8-5FC5D89F26AA}" type="datetime1">
-              <a:rPr lang="fi-FI" smtClean="0"/>
-              <a:t>16.10.2025</a:t>
-            </a:fld>
-            <a:endParaRPr lang="en-US" dirty="0"/>
-          </a:p>
-        </p:txBody>
-      </p:sp>
-      <p:pic>
-        <p:nvPicPr>
-          <p:cNvPr id="4" name="Picture 3">
-            <a:extLst>
-              <a:ext uri="{FF2B5EF4-FFF2-40B4-BE49-F238E27FC236}">
-                <a16:creationId xmlns:a16="http://schemas.microsoft.com/office/drawing/2014/main" id="{1D7ADE9D-BBB4-9329-E909-A785E25C9D5B}"/>
-              </a:ext>
-            </a:extLst>
-          </p:cNvPr>
-          <p:cNvPicPr>
-            <a:picLocks noChangeAspect="1"/>
-          </p:cNvPicPr>
-          <p:nvPr/>
-        </p:nvPicPr>
-        <p:blipFill>
-          <a:blip r:embed="rId2" cstate="screen">
-            <a:extLst>
-              <a:ext uri="{28A0092B-C50C-407E-A947-70E740481C1C}">
-                <a14:useLocalDpi xmlns:a14="http://schemas.microsoft.com/office/drawing/2010/main"/>
-              </a:ext>
-            </a:extLst>
-          </a:blip>
-          <a:stretch>
-            <a:fillRect/>
-          </a:stretch>
-        </p:blipFill>
-        <p:spPr>
-          <a:xfrm>
-            <a:off x="5076" y="1"/>
-            <a:ext cx="12788211" cy="7311848"/>
-          </a:xfrm>
-          <a:prstGeom prst="rect">
-            <a:avLst/>
-          </a:prstGeom>
-        </p:spPr>
-      </p:pic>
-      <mc:AlternateContent xmlns:mc="http://schemas.openxmlformats.org/markup-compatibility/2006">
-        <mc:Choice xmlns:p14="http://schemas.microsoft.com/office/powerpoint/2010/main" Requires="p14">
-          <p:contentPart p14:bwMode="auto" r:id="rId3">
-            <p14:nvContentPartPr>
-              <p14:cNvPr id="6" name="Ink 5">
-                <a:extLst>
-                  <a:ext uri="{FF2B5EF4-FFF2-40B4-BE49-F238E27FC236}">
-                    <a16:creationId xmlns:a16="http://schemas.microsoft.com/office/drawing/2014/main" id="{FD8045D4-C972-328A-6DC5-8F3C25AD5668}"/>
-                  </a:ext>
-                </a:extLst>
-              </p14:cNvPr>
-              <p14:cNvContentPartPr/>
-              <p14:nvPr/>
-            </p14:nvContentPartPr>
-            <p14:xfrm>
-              <a:off x="7716665" y="1262196"/>
-              <a:ext cx="2035440" cy="915480"/>
-            </p14:xfrm>
-          </p:contentPart>
-        </mc:Choice>
-        <mc:Fallback>
-          <p:pic>
-            <p:nvPicPr>
-              <p:cNvPr id="6" name="Ink 5">
-                <a:extLst>
-                  <a:ext uri="{FF2B5EF4-FFF2-40B4-BE49-F238E27FC236}">
-                    <a16:creationId xmlns:a16="http://schemas.microsoft.com/office/drawing/2014/main" id="{FD8045D4-C972-328A-6DC5-8F3C25AD5668}"/>
-                  </a:ext>
-                </a:extLst>
-              </p:cNvPr>
-              <p:cNvPicPr/>
-              <p:nvPr/>
-            </p:nvPicPr>
-            <p:blipFill>
-              <a:blip r:embed="rId4"/>
-              <a:stretch>
-                <a:fillRect/>
-              </a:stretch>
-            </p:blipFill>
-            <p:spPr>
-              <a:xfrm>
-                <a:off x="7653665" y="1199196"/>
-                <a:ext cx="2161080" cy="1041120"/>
-              </a:xfrm>
-              <a:prstGeom prst="rect">
-                <a:avLst/>
-              </a:prstGeom>
-            </p:spPr>
-          </p:pic>
-        </mc:Fallback>
-      </mc:AlternateContent>
-      <mc:AlternateContent xmlns:mc="http://schemas.openxmlformats.org/markup-compatibility/2006">
-        <mc:Choice xmlns:p14="http://schemas.microsoft.com/office/powerpoint/2010/main" Requires="p14">
-          <p:contentPart p14:bwMode="auto" r:id="rId5">
-            <p14:nvContentPartPr>
-              <p14:cNvPr id="7" name="Ink 6">
-                <a:extLst>
-                  <a:ext uri="{FF2B5EF4-FFF2-40B4-BE49-F238E27FC236}">
-                    <a16:creationId xmlns:a16="http://schemas.microsoft.com/office/drawing/2014/main" id="{A06C7DAD-F56E-23E6-EC46-96B8ABEDC6DA}"/>
-                  </a:ext>
-                </a:extLst>
-              </p14:cNvPr>
-              <p14:cNvContentPartPr/>
-              <p14:nvPr/>
-            </p14:nvContentPartPr>
-            <p14:xfrm>
-              <a:off x="5354246" y="662777"/>
-              <a:ext cx="1374480" cy="557280"/>
-            </p14:xfrm>
-          </p:contentPart>
-        </mc:Choice>
-        <mc:Fallback>
-          <p:pic>
-            <p:nvPicPr>
-              <p:cNvPr id="7" name="Ink 6">
-                <a:extLst>
-                  <a:ext uri="{FF2B5EF4-FFF2-40B4-BE49-F238E27FC236}">
-                    <a16:creationId xmlns:a16="http://schemas.microsoft.com/office/drawing/2014/main" id="{A06C7DAD-F56E-23E6-EC46-96B8ABEDC6DA}"/>
-                  </a:ext>
-                </a:extLst>
-              </p:cNvPr>
-              <p:cNvPicPr/>
-              <p:nvPr/>
-            </p:nvPicPr>
-            <p:blipFill>
-              <a:blip r:embed="rId6"/>
-              <a:stretch>
-                <a:fillRect/>
-              </a:stretch>
-            </p:blipFill>
-            <p:spPr>
-              <a:xfrm>
-                <a:off x="5318606" y="626777"/>
-                <a:ext cx="1446120" cy="628920"/>
-              </a:xfrm>
-              <a:prstGeom prst="rect">
-                <a:avLst/>
-              </a:prstGeom>
-            </p:spPr>
-          </p:pic>
-        </mc:Fallback>
-      </mc:AlternateContent>
-    </p:spTree>
-    <p:extLst>
-      <p:ext uri="{BB962C8B-B14F-4D97-AF65-F5344CB8AC3E}">
-        <p14:creationId xmlns:p14="http://schemas.microsoft.com/office/powerpoint/2010/main" val="2411201461"/>
-      </p:ext>
-    </p:extLst>
-  </p:cSld>
-  <p:clrMapOvr>
-    <a:masterClrMapping/>
-  </p:clrMapOvr>
-  <p:timing>
-    <p:tnLst>
-      <p:par>
-        <p:cTn id="1" dur="indefinite" restart="never" nodeType="tmRoot">
-          <p:childTnLst>
-            <p:seq concurrent="1" nextAc="seek">
-              <p:cTn id="2" dur="indefinite" nodeType="mainSeq">
-                <p:childTnLst>
-                  <p:par>
-                    <p:cTn id="3" fill="hold">
-                      <p:stCondLst>
-                        <p:cond delay="indefinite"/>
-                        <p:cond evt="onBegin" delay="0">
-                          <p:tn val="2"/>
-                        </p:cond>
-                      </p:stCondLst>
-                      <p:childTnLst>
-                        <p:par>
-                          <p:cTn id="4" fill="hold">
-                            <p:stCondLst>
-                              <p:cond delay="0"/>
-                            </p:stCondLst>
-                            <p:childTnLst>
-                              <p:par>
-                                <p:cTn id="5" presetID="63" presetClass="entr" presetSubtype="0" fill="hold" nodeType="withEffect">
-                                  <p:stCondLst>
-                                    <p:cond delay="200"/>
-                                  </p:stCondLst>
-                                  <p:childTnLst>
-                                    <p:set>
-                                      <p:cBhvr>
-                                        <p:cTn id="6" dur="1" fill="hold">
-                                          <p:stCondLst>
-                                            <p:cond delay="0"/>
-                                          </p:stCondLst>
-                                        </p:cTn>
-                                        <p:tgtEl>
-                                          <p:spTgt spid="7"/>
-                                        </p:tgtEl>
-                                        <p:attrNameLst>
-                                          <p:attrName>style.visibility</p:attrName>
-                                        </p:attrNameLst>
-                                      </p:cBhvr>
-                                      <p:to>
-                                        <p:strVal val="visible"/>
-                                      </p:to>
-                                    </p:set>
-                                    <p:anim calcmode="lin" valueType="num">
-                                      <p:cBhvr>
-                                        <p:cTn id="7" dur="200" fill="hold"/>
-                                        <p:tgtEl>
-                                          <p:spTgt spid="7"/>
-                                        </p:tgtEl>
-                                        <p:attrNameLst>
-                                          <p:attrName>drawProgress</p:attrName>
-                                        </p:attrNameLst>
-                                      </p:cBhvr>
-                                      <p:tavLst>
-                                        <p:tav tm="0">
-                                          <p:val>
-                                            <p:fltVal val="0"/>
-                                          </p:val>
-                                        </p:tav>
-                                        <p:tav tm="100000">
-                                          <p:val>
-                                            <p:fltVal val="1"/>
-                                          </p:val>
-                                        </p:tav>
-                                      </p:tavLst>
-                                    </p:anim>
-                                  </p:childTnLst>
-                                </p:cTn>
-                              </p:par>
-                            </p:childTnLst>
-                          </p:cTn>
-                        </p:par>
-                      </p:childTnLst>
-                    </p:cTn>
-                  </p:par>
-                  <p:par>
-                    <p:cTn id="8" fill="hold">
-                      <p:stCondLst>
-                        <p:cond delay="indefinite"/>
-                      </p:stCondLst>
-                      <p:childTnLst>
-                        <p:par>
-                          <p:cTn id="9" fill="hold">
-                            <p:stCondLst>
-                              <p:cond delay="0"/>
-                            </p:stCondLst>
-                            <p:childTnLst>
-                              <p:par>
-                                <p:cTn id="10" presetID="63" presetClass="entr" presetSubtype="0" fill="hold" nodeType="clickEffect">
-                                  <p:stCondLst>
-                                    <p:cond delay="0"/>
-                                  </p:stCondLst>
-                                  <p:childTnLst>
-                                    <p:set>
-                                      <p:cBhvr>
-                                        <p:cTn id="11" dur="1" fill="hold">
-                                          <p:stCondLst>
-                                            <p:cond delay="0"/>
-                                          </p:stCondLst>
-                                        </p:cTn>
-                                        <p:tgtEl>
-                                          <p:spTgt spid="6"/>
-                                        </p:tgtEl>
-                                        <p:attrNameLst>
-                                          <p:attrName>style.visibility</p:attrName>
-                                        </p:attrNameLst>
-                                      </p:cBhvr>
-                                      <p:to>
-                                        <p:strVal val="visible"/>
-                                      </p:to>
-                                    </p:set>
-                                    <p:anim calcmode="lin" valueType="num">
-                                      <p:cBhvr>
-                                        <p:cTn id="12" dur="200" fill="hold"/>
-                                        <p:tgtEl>
-                                          <p:spTgt spid="6"/>
-                                        </p:tgtEl>
-                                        <p:attrNameLst>
-                                          <p:attrName>drawProgress</p:attrName>
-                                        </p:attrNameLst>
-                                      </p:cBhvr>
-                                      <p:tavLst>
-                                        <p:tav tm="0">
-                                          <p:val>
-                                            <p:fltVal val="0"/>
-                                          </p:val>
-                                        </p:tav>
-                                        <p:tav tm="100000">
-                                          <p:val>
-                                            <p:fltVal val="1"/>
-                                          </p:val>
-                                        </p:tav>
-                                      </p:tavLst>
-                                    </p:anim>
-                                  </p:childTnLst>
-                                </p:cTn>
-                              </p:par>
-                            </p:childTnLst>
-                          </p:cTn>
-                        </p:par>
-                      </p:childTnLst>
-                    </p:cTn>
-                  </p:par>
-                </p:childTnLst>
-              </p:cTn>
-              <p:prevCondLst>
-                <p:cond evt="onPrev" delay="0">
-                  <p:tgtEl>
-                    <p:sldTgt/>
-                  </p:tgtEl>
-                </p:cond>
-              </p:prevCondLst>
-              <p:nextCondLst>
-                <p:cond evt="onNext" delay="0">
-                  <p:tgtEl>
-                    <p:sldTgt/>
-                  </p:tgtEl>
-                </p:cond>
-              </p:nextCondLst>
-            </p:seq>
-          </p:childTnLst>
-        </p:cTn>
-      </p:par>
-    </p:tnLst>
-  </p:timing>
 </p:sld>
 </file>
 
